--- a/docs/Implicit User Feedback.pptx
+++ b/docs/Implicit User Feedback.pptx
@@ -5,7 +5,7 @@
     <p:sldMasterId id="2147483660" r:id="rId1"/>
   </p:sldMasterIdLst>
   <p:notesMasterIdLst>
-    <p:notesMasterId r:id="rId39"/>
+    <p:notesMasterId r:id="rId38"/>
   </p:notesMasterIdLst>
   <p:sldIdLst>
     <p:sldId id="256" r:id="rId2"/>
@@ -44,7 +44,6 @@
     <p:sldId id="290" r:id="rId35"/>
     <p:sldId id="291" r:id="rId36"/>
     <p:sldId id="292" r:id="rId37"/>
-    <p:sldId id="293" r:id="rId38"/>
   </p:sldIdLst>
   <p:sldSz cx="9144000" cy="6858000" type="screen4x3"/>
   <p:notesSz cx="6858000" cy="9144000"/>
@@ -244,7 +243,7 @@
           <a:p>
             <a:fld id="{3F71FCDD-BF77-4512-A75A-1A2706BC106F}" type="datetimeFigureOut">
               <a:rPr lang="en-US" smtClean="0"/>
-              <a:t>11/24/2014</a:t>
+              <a:t>11/8/2015</a:t>
             </a:fld>
             <a:endParaRPr lang="en-US"/>
           </a:p>
@@ -960,6 +959,90 @@
 </p:notes>
 </file>
 
+<file path=ppt/notesSlides/notesSlide6.xml><?xml version="1.0" encoding="utf-8"?>
+<p:notes xmlns:a="http://schemas.openxmlformats.org/drawingml/2006/main" xmlns:r="http://schemas.openxmlformats.org/officeDocument/2006/relationships" xmlns:p="http://schemas.openxmlformats.org/presentationml/2006/main">
+  <p:cSld>
+    <p:spTree>
+      <p:nvGrpSpPr>
+        <p:cNvPr id="1" name=""/>
+        <p:cNvGrpSpPr/>
+        <p:nvPr/>
+      </p:nvGrpSpPr>
+      <p:grpSpPr>
+        <a:xfrm>
+          <a:off x="0" y="0"/>
+          <a:ext cx="0" cy="0"/>
+          <a:chOff x="0" y="0"/>
+          <a:chExt cx="0" cy="0"/>
+        </a:xfrm>
+      </p:grpSpPr>
+      <p:sp>
+        <p:nvSpPr>
+          <p:cNvPr id="2" name="Slide Image Placeholder 1"/>
+          <p:cNvSpPr>
+            <a:spLocks noGrp="1" noRot="1" noChangeAspect="1"/>
+          </p:cNvSpPr>
+          <p:nvPr>
+            <p:ph type="sldImg"/>
+          </p:nvPr>
+        </p:nvSpPr>
+        <p:spPr/>
+      </p:sp>
+      <p:sp>
+        <p:nvSpPr>
+          <p:cNvPr id="3" name="Notes Placeholder 2"/>
+          <p:cNvSpPr>
+            <a:spLocks noGrp="1"/>
+          </p:cNvSpPr>
+          <p:nvPr>
+            <p:ph type="body" idx="1"/>
+          </p:nvPr>
+        </p:nvSpPr>
+        <p:spPr/>
+        <p:txBody>
+          <a:bodyPr/>
+          <a:lstStyle/>
+          <a:p>
+            <a:endParaRPr lang="en-US"/>
+          </a:p>
+        </p:txBody>
+      </p:sp>
+      <p:sp>
+        <p:nvSpPr>
+          <p:cNvPr id="4" name="Slide Number Placeholder 3"/>
+          <p:cNvSpPr>
+            <a:spLocks noGrp="1"/>
+          </p:cNvSpPr>
+          <p:nvPr>
+            <p:ph type="sldNum" sz="quarter" idx="10"/>
+          </p:nvPr>
+        </p:nvSpPr>
+        <p:spPr/>
+        <p:txBody>
+          <a:bodyPr/>
+          <a:lstStyle/>
+          <a:p>
+            <a:fld id="{C160796B-C615-4CD6-8F33-A06D8AE73E60}" type="slidenum">
+              <a:rPr lang="en-US" smtClean="0"/>
+              <a:t>36</a:t>
+            </a:fld>
+            <a:endParaRPr lang="en-US"/>
+          </a:p>
+        </p:txBody>
+      </p:sp>
+    </p:spTree>
+    <p:extLst>
+      <p:ext uri="{BB962C8B-B14F-4D97-AF65-F5344CB8AC3E}">
+        <p14:creationId xmlns:p14="http://schemas.microsoft.com/office/powerpoint/2010/main" val="2838095749"/>
+      </p:ext>
+    </p:extLst>
+  </p:cSld>
+  <p:clrMapOvr>
+    <a:masterClrMapping/>
+  </p:clrMapOvr>
+</p:notes>
+</file>
+
 <file path=ppt/slideLayouts/slideLayout1.xml><?xml version="1.0" encoding="utf-8"?>
 <p:sldLayout xmlns:a="http://schemas.openxmlformats.org/drawingml/2006/main" xmlns:r="http://schemas.openxmlformats.org/officeDocument/2006/relationships" xmlns:p="http://schemas.openxmlformats.org/presentationml/2006/main" type="title" preserve="1">
   <p:cSld name="Title Slide">
@@ -1164,7 +1247,7 @@
           <a:p>
             <a:r>
               <a:rPr lang="en-US" smtClean="0"/>
-              <a:t>CS 6501: Information Retrieval</a:t>
+              <a:t>CS 4501: Information Retrieval</a:t>
             </a:r>
             <a:endParaRPr lang="en-US"/>
           </a:p>
@@ -1338,7 +1421,7 @@
           <a:p>
             <a:r>
               <a:rPr lang="en-US" smtClean="0"/>
-              <a:t>CS 6501: Information Retrieval</a:t>
+              <a:t>CS 4501: Information Retrieval</a:t>
             </a:r>
             <a:endParaRPr lang="en-US"/>
           </a:p>
@@ -1522,7 +1605,7 @@
           <a:p>
             <a:r>
               <a:rPr lang="en-US" smtClean="0"/>
-              <a:t>CS 6501: Information Retrieval</a:t>
+              <a:t>CS 4501: Information Retrieval</a:t>
             </a:r>
             <a:endParaRPr lang="en-US"/>
           </a:p>
@@ -1696,7 +1779,7 @@
           <a:p>
             <a:r>
               <a:rPr lang="en-US" smtClean="0"/>
-              <a:t>CS 6501: Information Retrieval</a:t>
+              <a:t>CS 4501: Information Retrieval</a:t>
             </a:r>
             <a:endParaRPr lang="en-US"/>
           </a:p>
@@ -1946,7 +2029,7 @@
           <a:p>
             <a:r>
               <a:rPr lang="en-US" smtClean="0"/>
-              <a:t>CS 6501: Information Retrieval</a:t>
+              <a:t>CS 4501: Information Retrieval</a:t>
             </a:r>
             <a:endParaRPr lang="en-US"/>
           </a:p>
@@ -2238,7 +2321,7 @@
           <a:p>
             <a:r>
               <a:rPr lang="en-US" smtClean="0"/>
-              <a:t>CS 6501: Information Retrieval</a:t>
+              <a:t>CS 4501: Information Retrieval</a:t>
             </a:r>
             <a:endParaRPr lang="en-US"/>
           </a:p>
@@ -2664,7 +2747,7 @@
           <a:p>
             <a:r>
               <a:rPr lang="en-US" smtClean="0"/>
-              <a:t>CS 6501: Information Retrieval</a:t>
+              <a:t>CS 4501: Information Retrieval</a:t>
             </a:r>
             <a:endParaRPr lang="en-US"/>
           </a:p>
@@ -2786,7 +2869,7 @@
           <a:p>
             <a:r>
               <a:rPr lang="en-US" smtClean="0"/>
-              <a:t>CS 6501: Information Retrieval</a:t>
+              <a:t>CS 4501: Information Retrieval</a:t>
             </a:r>
             <a:endParaRPr lang="en-US"/>
           </a:p>
@@ -2885,7 +2968,7 @@
           <a:p>
             <a:r>
               <a:rPr lang="en-US" smtClean="0"/>
-              <a:t>CS 6501: Information Retrieval</a:t>
+              <a:t>CS 4501: Information Retrieval</a:t>
             </a:r>
             <a:endParaRPr lang="en-US"/>
           </a:p>
@@ -3166,7 +3249,7 @@
           <a:p>
             <a:r>
               <a:rPr lang="en-US" smtClean="0"/>
-              <a:t>CS 6501: Information Retrieval</a:t>
+              <a:t>CS 4501: Information Retrieval</a:t>
             </a:r>
             <a:endParaRPr lang="en-US"/>
           </a:p>
@@ -3427,7 +3510,7 @@
           <a:p>
             <a:r>
               <a:rPr lang="en-US" smtClean="0"/>
-              <a:t>CS 6501: Information Retrieval</a:t>
+              <a:t>CS 4501: Information Retrieval</a:t>
             </a:r>
             <a:endParaRPr lang="en-US"/>
           </a:p>
@@ -3662,7 +3745,7 @@
           <a:p>
             <a:r>
               <a:rPr lang="en-US" smtClean="0"/>
-              <a:t>CS 6501: Information Retrieval</a:t>
+              <a:t>CS 4501: Information Retrieval</a:t>
             </a:r>
             <a:endParaRPr lang="en-US"/>
           </a:p>
@@ -4276,7 +4359,7 @@
           <a:p>
             <a:r>
               <a:rPr lang="en-US" smtClean="0"/>
-              <a:t>CS 6501: Information Retrieval</a:t>
+              <a:t>CS 4501: Information Retrieval</a:t>
             </a:r>
             <a:endParaRPr lang="en-US"/>
           </a:p>
@@ -4600,7 +4683,7 @@
           <a:p>
             <a:r>
               <a:rPr lang="en-US" smtClean="0"/>
-              <a:t>CS 6501: Information Retrieval</a:t>
+              <a:t>CS 4501: Information Retrieval</a:t>
             </a:r>
             <a:endParaRPr lang="en-US"/>
           </a:p>
@@ -5073,7 +5156,7 @@
           <a:p>
             <a:r>
               <a:rPr lang="en-US" smtClean="0"/>
-              <a:t>CS 6501: Information Retrieval</a:t>
+              <a:t>CS 4501: Information Retrieval</a:t>
             </a:r>
             <a:endParaRPr lang="en-US"/>
           </a:p>
@@ -5766,7 +5849,7 @@
           <a:p>
             <a:r>
               <a:rPr lang="en-US" smtClean="0"/>
-              <a:t>CS 6501: Information Retrieval</a:t>
+              <a:t>CS 4501: Information Retrieval</a:t>
             </a:r>
             <a:endParaRPr lang="en-US"/>
           </a:p>
@@ -6581,7 +6664,7 @@
           <a:p>
             <a:r>
               <a:rPr lang="en-US" smtClean="0"/>
-              <a:t>CS 6501: Information Retrieval</a:t>
+              <a:t>CS 4501: Information Retrieval</a:t>
             </a:r>
             <a:endParaRPr lang="en-US"/>
           </a:p>
@@ -6961,7 +7044,7 @@
           <a:p>
             <a:r>
               <a:rPr lang="en-US" smtClean="0"/>
-              <a:t>CS 6501: Information Retrieval</a:t>
+              <a:t>CS 4501: Information Retrieval</a:t>
             </a:r>
             <a:endParaRPr lang="en-US"/>
           </a:p>
@@ -7267,7 +7350,7 @@
           <a:p>
             <a:r>
               <a:rPr lang="en-US" smtClean="0"/>
-              <a:t>CS 6501: Information Retrieval</a:t>
+              <a:t>CS 4501: Information Retrieval</a:t>
             </a:r>
             <a:endParaRPr lang="en-US"/>
           </a:p>
@@ -7428,7 +7511,7 @@
           <a:p>
             <a:r>
               <a:rPr lang="en-US" smtClean="0"/>
-              <a:t>CS 6501: Information Retrieval</a:t>
+              <a:t>CS 4501: Information Retrieval</a:t>
             </a:r>
             <a:endParaRPr lang="en-US"/>
           </a:p>
@@ -7621,7 +7704,7 @@
           <a:p>
             <a:r>
               <a:rPr lang="en-US" smtClean="0"/>
-              <a:t>CS 6501: Information Retrieval</a:t>
+              <a:t>CS 4501: Information Retrieval</a:t>
             </a:r>
             <a:endParaRPr lang="en-US"/>
           </a:p>
@@ -8084,7 +8167,7 @@
           <a:p>
             <a:r>
               <a:rPr lang="en-US" smtClean="0"/>
-              <a:t>CS 6501: Information Retrieval</a:t>
+              <a:t>CS 4501: Information Retrieval</a:t>
             </a:r>
             <a:endParaRPr lang="en-US"/>
           </a:p>
@@ -10621,7 +10704,7 @@
           <a:p>
             <a:r>
               <a:rPr lang="en-US" smtClean="0"/>
-              <a:t>CS 6501: Information Retrieval</a:t>
+              <a:t>CS 4501: Information Retrieval</a:t>
             </a:r>
             <a:endParaRPr lang="en-US"/>
           </a:p>
@@ -10776,7 +10859,7 @@
           <a:p>
             <a:r>
               <a:rPr lang="en-US" smtClean="0"/>
-              <a:t>CS 6501: Information Retrieval</a:t>
+              <a:t>CS 4501: Information Retrieval</a:t>
             </a:r>
             <a:endParaRPr lang="en-US"/>
           </a:p>
@@ -10954,7 +11037,7 @@
           <a:p>
             <a:r>
               <a:rPr lang="en-US" smtClean="0"/>
-              <a:t>CS 6501: Information Retrieval</a:t>
+              <a:t>CS 4501: Information Retrieval</a:t>
             </a:r>
             <a:endParaRPr lang="en-US"/>
           </a:p>
@@ -11538,7 +11621,7 @@
           <a:p>
             <a:r>
               <a:rPr lang="en-US" smtClean="0"/>
-              <a:t>CS 6501: Information Retrieval</a:t>
+              <a:t>CS 4501: Information Retrieval</a:t>
             </a:r>
             <a:endParaRPr lang="en-US"/>
           </a:p>
@@ -12908,7 +12991,7 @@
           <a:p>
             <a:r>
               <a:rPr lang="en-US" smtClean="0"/>
-              <a:t>CS 6501: Information Retrieval</a:t>
+              <a:t>CS 4501: Information Retrieval</a:t>
             </a:r>
             <a:endParaRPr lang="en-US"/>
           </a:p>
@@ -13660,7 +13743,7 @@
           <a:p>
             <a:r>
               <a:rPr lang="en-US" smtClean="0"/>
-              <a:t>CS 6501: Information Retrieval</a:t>
+              <a:t>CS 4501: Information Retrieval</a:t>
             </a:r>
             <a:endParaRPr lang="en-US"/>
           </a:p>
@@ -14039,11 +14122,7 @@
             </a:r>
             <a:r>
               <a:rPr lang="en-US" smtClean="0"/>
-              <a:t>based </a:t>
-            </a:r>
-            <a:r>
-              <a:rPr lang="en-US" smtClean="0"/>
-              <a:t>on biased </a:t>
+              <a:t>based on biased </a:t>
             </a:r>
             <a:r>
               <a:rPr lang="en-US" dirty="0" smtClean="0"/>
@@ -14102,7 +14181,7 @@
           <a:p>
             <a:r>
               <a:rPr lang="en-US" smtClean="0"/>
-              <a:t>CS 6501: Information Retrieval</a:t>
+              <a:t>CS 4501: Information Retrieval</a:t>
             </a:r>
             <a:endParaRPr lang="en-US"/>
           </a:p>
@@ -15494,7 +15573,7 @@
           <a:p>
             <a:r>
               <a:rPr lang="en-US" smtClean="0"/>
-              <a:t>CS 6501: Information Retrieval</a:t>
+              <a:t>CS 4501: Information Retrieval</a:t>
             </a:r>
             <a:endParaRPr lang="en-US"/>
           </a:p>
@@ -16621,7 +16700,7 @@
           <a:p>
             <a:r>
               <a:rPr lang="en-US" smtClean="0"/>
-              <a:t>CS 6501: Information Retrieval</a:t>
+              <a:t>CS 4501: Information Retrieval</a:t>
             </a:r>
             <a:endParaRPr lang="en-US"/>
           </a:p>
@@ -17554,7 +17633,7 @@
           <a:p>
             <a:r>
               <a:rPr lang="en-US" smtClean="0"/>
-              <a:t>CS 6501: Information Retrieval</a:t>
+              <a:t>CS 4501: Information Retrieval</a:t>
             </a:r>
             <a:endParaRPr lang="en-US"/>
           </a:p>
@@ -18240,7 +18319,7 @@
           <a:p>
             <a:r>
               <a:rPr lang="en-US" smtClean="0"/>
-              <a:t>CS 6501: Information Retrieval</a:t>
+              <a:t>CS 4501: Information Retrieval</a:t>
             </a:r>
             <a:endParaRPr lang="en-US"/>
           </a:p>
@@ -18590,7 +18669,7 @@
           <a:p>
             <a:r>
               <a:rPr lang="en-US" smtClean="0"/>
-              <a:t>CS 6501: Information Retrieval</a:t>
+              <a:t>CS 4501: Information Retrieval</a:t>
             </a:r>
             <a:endParaRPr lang="en-US"/>
           </a:p>
@@ -19477,7 +19556,7 @@
           <a:p>
             <a:r>
               <a:rPr lang="en-US" smtClean="0"/>
-              <a:t>CS 6501: Information Retrieval</a:t>
+              <a:t>CS 4501: Information Retrieval</a:t>
             </a:r>
             <a:endParaRPr lang="en-US"/>
           </a:p>
@@ -20411,7 +20490,7 @@
           <a:p>
             <a:r>
               <a:rPr lang="en-US" smtClean="0"/>
-              <a:t>CS 6501: Information Retrieval</a:t>
+              <a:t>CS 4501: Information Retrieval</a:t>
             </a:r>
             <a:endParaRPr lang="en-US"/>
           </a:p>
@@ -21190,7 +21269,7 @@
           <a:p>
             <a:r>
               <a:rPr lang="en-US" smtClean="0"/>
-              <a:t>CS 6501: Information Retrieval</a:t>
+              <a:t>CS 4501: Information Retrieval</a:t>
             </a:r>
             <a:endParaRPr lang="en-US"/>
           </a:p>
@@ -22567,7 +22646,7 @@
           <a:p>
             <a:r>
               <a:rPr lang="en-US" smtClean="0"/>
-              <a:t>CS 6501: Information Retrieval</a:t>
+              <a:t>CS 4501: Information Retrieval</a:t>
             </a:r>
             <a:endParaRPr lang="en-US"/>
           </a:p>
@@ -23173,7 +23252,7 @@
           <a:p>
             <a:r>
               <a:rPr lang="en-US" smtClean="0"/>
-              <a:t>CS 6501: Information Retrieval</a:t>
+              <a:t>CS 4501: Information Retrieval</a:t>
             </a:r>
             <a:endParaRPr lang="en-US"/>
           </a:p>
@@ -23765,7 +23844,7 @@
           <a:p>
             <a:r>
               <a:rPr lang="en-US" smtClean="0"/>
-              <a:t>CS 6501: Information Retrieval</a:t>
+              <a:t>CS 4501: Information Retrieval</a:t>
             </a:r>
             <a:endParaRPr lang="en-US"/>
           </a:p>
@@ -24049,7 +24128,7 @@
           <a:p>
             <a:r>
               <a:rPr lang="en-US" smtClean="0"/>
-              <a:t>CS 6501: Information Retrieval</a:t>
+              <a:t>CS 4501: Information Retrieval</a:t>
             </a:r>
             <a:endParaRPr lang="en-US"/>
           </a:p>
@@ -24082,153 +24161,6 @@
     <p:extLst>
       <p:ext uri="{BB962C8B-B14F-4D97-AF65-F5344CB8AC3E}">
         <p14:creationId xmlns:p14="http://schemas.microsoft.com/office/powerpoint/2010/main" val="1314575093"/>
-      </p:ext>
-    </p:extLst>
-  </p:cSld>
-  <p:clrMapOvr>
-    <a:masterClrMapping/>
-  </p:clrMapOvr>
-  <p:timing>
-    <p:tnLst>
-      <p:par>
-        <p:cTn id="1" dur="indefinite" restart="never" nodeType="tmRoot"/>
-      </p:par>
-    </p:tnLst>
-  </p:timing>
-</p:sld>
-</file>
-
-<file path=ppt/slides/slide37.xml><?xml version="1.0" encoding="utf-8"?>
-<p:sld xmlns:a="http://schemas.openxmlformats.org/drawingml/2006/main" xmlns:r="http://schemas.openxmlformats.org/officeDocument/2006/relationships" xmlns:p="http://schemas.openxmlformats.org/presentationml/2006/main">
-  <p:cSld>
-    <p:spTree>
-      <p:nvGrpSpPr>
-        <p:cNvPr id="1" name=""/>
-        <p:cNvGrpSpPr/>
-        <p:nvPr/>
-      </p:nvGrpSpPr>
-      <p:grpSpPr>
-        <a:xfrm>
-          <a:off x="0" y="0"/>
-          <a:ext cx="0" cy="0"/>
-          <a:chOff x="0" y="0"/>
-          <a:chExt cx="0" cy="0"/>
-        </a:xfrm>
-      </p:grpSpPr>
-      <p:sp>
-        <p:nvSpPr>
-          <p:cNvPr id="4" name="Date Placeholder 3"/>
-          <p:cNvSpPr>
-            <a:spLocks noGrp="1"/>
-          </p:cNvSpPr>
-          <p:nvPr>
-            <p:ph type="dt" sz="half" idx="10"/>
-          </p:nvPr>
-        </p:nvSpPr>
-        <p:spPr/>
-        <p:txBody>
-          <a:bodyPr/>
-          <a:lstStyle/>
-          <a:p>
-            <a:r>
-              <a:rPr lang="en-US" smtClean="0"/>
-              <a:t>CS@UVa</a:t>
-            </a:r>
-            <a:endParaRPr lang="en-US"/>
-          </a:p>
-        </p:txBody>
-      </p:sp>
-      <p:sp>
-        <p:nvSpPr>
-          <p:cNvPr id="5" name="Footer Placeholder 4"/>
-          <p:cNvSpPr>
-            <a:spLocks noGrp="1"/>
-          </p:cNvSpPr>
-          <p:nvPr>
-            <p:ph type="ftr" sz="quarter" idx="11"/>
-          </p:nvPr>
-        </p:nvSpPr>
-        <p:spPr/>
-        <p:txBody>
-          <a:bodyPr/>
-          <a:lstStyle/>
-          <a:p>
-            <a:r>
-              <a:rPr lang="en-US" smtClean="0"/>
-              <a:t>CS 6501: Information Retrieval</a:t>
-            </a:r>
-            <a:endParaRPr lang="en-US"/>
-          </a:p>
-        </p:txBody>
-      </p:sp>
-      <p:sp>
-        <p:nvSpPr>
-          <p:cNvPr id="6" name="Slide Number Placeholder 5"/>
-          <p:cNvSpPr>
-            <a:spLocks noGrp="1"/>
-          </p:cNvSpPr>
-          <p:nvPr>
-            <p:ph type="sldNum" sz="quarter" idx="12"/>
-          </p:nvPr>
-        </p:nvSpPr>
-        <p:spPr/>
-        <p:txBody>
-          <a:bodyPr/>
-          <a:lstStyle/>
-          <a:p>
-            <a:fld id="{62922D89-69AA-455B-88D8-47CB48498E74}" type="slidenum">
-              <a:rPr lang="en-US" smtClean="0"/>
-              <a:t>37</a:t>
-            </a:fld>
-            <a:endParaRPr lang="en-US"/>
-          </a:p>
-        </p:txBody>
-      </p:sp>
-      <p:pic>
-        <p:nvPicPr>
-          <p:cNvPr id="1028" name="Picture 4" descr="http://www.tampabayvettes.com/blog/wp-content/uploads/Thanksgiving-2013_1228x768.jpg"/>
-          <p:cNvPicPr>
-            <a:picLocks noChangeAspect="1" noChangeArrowheads="1"/>
-          </p:cNvPicPr>
-          <p:nvPr/>
-        </p:nvPicPr>
-        <p:blipFill>
-          <a:blip r:embed="rId2">
-            <a:extLst>
-              <a:ext uri="{28A0092B-C50C-407E-A947-70E740481C1C}">
-                <a14:useLocalDpi xmlns:a14="http://schemas.microsoft.com/office/drawing/2010/main" val="0"/>
-              </a:ext>
-            </a:extLst>
-          </a:blip>
-          <a:srcRect/>
-          <a:stretch>
-            <a:fillRect/>
-          </a:stretch>
-        </p:blipFill>
-        <p:spPr bwMode="auto">
-          <a:xfrm>
-            <a:off x="389464" y="634336"/>
-            <a:ext cx="8448675" cy="5283862"/>
-          </a:xfrm>
-          <a:prstGeom prst="rect">
-            <a:avLst/>
-          </a:prstGeom>
-          <a:noFill/>
-          <a:extLst>
-            <a:ext uri="{909E8E84-426E-40DD-AFC4-6F175D3DCCD1}">
-              <a14:hiddenFill xmlns:a14="http://schemas.microsoft.com/office/drawing/2010/main">
-                <a:solidFill>
-                  <a:srgbClr val="FFFFFF"/>
-                </a:solidFill>
-              </a14:hiddenFill>
-            </a:ext>
-          </a:extLst>
-        </p:spPr>
-      </p:pic>
-    </p:spTree>
-    <p:extLst>
-      <p:ext uri="{BB962C8B-B14F-4D97-AF65-F5344CB8AC3E}">
-        <p14:creationId xmlns:p14="http://schemas.microsoft.com/office/powerpoint/2010/main" val="2175397187"/>
       </p:ext>
     </p:extLst>
   </p:cSld>
@@ -24425,7 +24357,7 @@
           <a:p>
             <a:r>
               <a:rPr lang="en-US" smtClean="0"/>
-              <a:t>CS 6501: Information Retrieval</a:t>
+              <a:t>CS 4501: Information Retrieval</a:t>
             </a:r>
             <a:endParaRPr lang="en-US"/>
           </a:p>
@@ -24684,7 +24616,7 @@
           <a:p>
             <a:r>
               <a:rPr lang="en-US" smtClean="0"/>
-              <a:t>CS 6501: Information Retrieval</a:t>
+              <a:t>CS 4501: Information Retrieval</a:t>
             </a:r>
             <a:endParaRPr lang="en-US"/>
           </a:p>
@@ -25155,7 +25087,7 @@
           <a:p>
             <a:r>
               <a:rPr lang="en-US" smtClean="0"/>
-              <a:t>CS 6501: Information Retrieval</a:t>
+              <a:t>CS 4501: Information Retrieval</a:t>
             </a:r>
             <a:endParaRPr lang="en-US"/>
           </a:p>
@@ -25646,7 +25578,7 @@
           <a:p>
             <a:r>
               <a:rPr lang="en-US" smtClean="0"/>
-              <a:t>CS 6501: Information Retrieval</a:t>
+              <a:t>CS 4501: Information Retrieval</a:t>
             </a:r>
             <a:endParaRPr lang="en-US"/>
           </a:p>
@@ -25946,7 +25878,7 @@
           <a:p>
             <a:r>
               <a:rPr lang="en-US" smtClean="0"/>
-              <a:t>CS 6501: Information Retrieval</a:t>
+              <a:t>CS 4501: Information Retrieval</a:t>
             </a:r>
             <a:endParaRPr lang="en-US"/>
           </a:p>
@@ -26539,7 +26471,7 @@
           <a:p>
             <a:r>
               <a:rPr lang="en-US" smtClean="0"/>
-              <a:t>CS 6501: Information Retrieval</a:t>
+              <a:t>CS 4501: Information Retrieval</a:t>
             </a:r>
             <a:endParaRPr lang="en-US"/>
           </a:p>

--- a/docs/Implicit User Feedback.pptx
+++ b/docs/Implicit User Feedback.pptx
@@ -243,7 +243,7 @@
           <a:p>
             <a:fld id="{3F71FCDD-BF77-4512-A75A-1A2706BC106F}" type="datetimeFigureOut">
               <a:rPr lang="en-US" smtClean="0"/>
-              <a:t>11/8/2015</a:t>
+              <a:t>11/16/2015</a:t>
             </a:fld>
             <a:endParaRPr lang="en-US"/>
           </a:p>
